--- a/ロボティクスデザイン/みよしばるーんm.pptx
+++ b/ロボティクスデザイン/みよしばるーんm.pptx
@@ -1545,7 +1545,7 @@
           <a:p>
             <a:fld id="{4AAD347D-5ACD-4C99-B74B-A9C85AD731AF}" type="datetimeFigureOut">
               <a:rPr lang="en-US" smtClean="0"/>
-              <a:t>7/18/2023</a:t>
+              <a:t>8/7/2023</a:t>
             </a:fld>
             <a:endParaRPr lang="en-US" dirty="0"/>
           </a:p>
@@ -1798,7 +1798,7 @@
           <a:p>
             <a:fld id="{4509A250-FF31-4206-8172-F9D3106AACB1}" type="datetimeFigureOut">
               <a:rPr lang="en-US" smtClean="0"/>
-              <a:t>7/18/2023</a:t>
+              <a:t>8/7/2023</a:t>
             </a:fld>
             <a:endParaRPr lang="en-US" dirty="0"/>
           </a:p>
@@ -2055,7 +2055,7 @@
           <a:p>
             <a:fld id="{4509A250-FF31-4206-8172-F9D3106AACB1}" type="datetimeFigureOut">
               <a:rPr lang="en-US" smtClean="0"/>
-              <a:t>7/18/2023</a:t>
+              <a:t>8/7/2023</a:t>
             </a:fld>
             <a:endParaRPr lang="en-US" dirty="0"/>
           </a:p>
@@ -2665,7 +2665,7 @@
           <a:p>
             <a:fld id="{4509A250-FF31-4206-8172-F9D3106AACB1}" type="datetimeFigureOut">
               <a:rPr lang="en-US" smtClean="0"/>
-              <a:t>7/18/2023</a:t>
+              <a:t>8/7/2023</a:t>
             </a:fld>
             <a:endParaRPr lang="en-US" dirty="0"/>
           </a:p>
@@ -2954,7 +2954,7 @@
           <a:p>
             <a:fld id="{9796027F-7875-4030-9381-8BD8C4F21935}" type="datetimeFigureOut">
               <a:rPr lang="en-US" smtClean="0"/>
-              <a:t>7/18/2023</a:t>
+              <a:t>8/7/2023</a:t>
             </a:fld>
             <a:endParaRPr lang="en-US" dirty="0"/>
           </a:p>
@@ -3296,7 +3296,7 @@
           <a:p>
             <a:fld id="{9796027F-7875-4030-9381-8BD8C4F21935}" type="datetimeFigureOut">
               <a:rPr lang="en-US" smtClean="0"/>
-              <a:t>7/18/2023</a:t>
+              <a:t>8/7/2023</a:t>
             </a:fld>
             <a:endParaRPr lang="en-US" dirty="0"/>
           </a:p>
@@ -3786,7 +3786,7 @@
           <a:p>
             <a:fld id="{9796027F-7875-4030-9381-8BD8C4F21935}" type="datetimeFigureOut">
               <a:rPr lang="en-US" smtClean="0"/>
-              <a:t>7/18/2023</a:t>
+              <a:t>8/7/2023</a:t>
             </a:fld>
             <a:endParaRPr lang="en-US" dirty="0"/>
           </a:p>
@@ -3945,7 +3945,7 @@
           <a:p>
             <a:fld id="{4509A250-FF31-4206-8172-F9D3106AACB1}" type="datetimeFigureOut">
               <a:rPr lang="en-US" smtClean="0"/>
-              <a:t>7/18/2023</a:t>
+              <a:t>8/7/2023</a:t>
             </a:fld>
             <a:endParaRPr lang="en-US" dirty="0"/>
           </a:p>
@@ -4081,7 +4081,7 @@
           <a:p>
             <a:fld id="{4509A250-FF31-4206-8172-F9D3106AACB1}" type="datetimeFigureOut">
               <a:rPr lang="en-US" smtClean="0"/>
-              <a:t>7/18/2023</a:t>
+              <a:t>8/7/2023</a:t>
             </a:fld>
             <a:endParaRPr lang="en-US" dirty="0"/>
           </a:p>
@@ -4374,7 +4374,7 @@
           <a:p>
             <a:fld id="{4509A250-FF31-4206-8172-F9D3106AACB1}" type="datetimeFigureOut">
               <a:rPr lang="en-US" smtClean="0"/>
-              <a:t>7/18/2023</a:t>
+              <a:t>8/7/2023</a:t>
             </a:fld>
             <a:endParaRPr lang="en-US" dirty="0"/>
           </a:p>
@@ -4829,7 +4829,7 @@
           <a:p>
             <a:fld id="{4509A250-FF31-4206-8172-F9D3106AACB1}" type="datetimeFigureOut">
               <a:rPr lang="en-US" smtClean="0"/>
-              <a:t>7/18/2023</a:t>
+              <a:t>8/7/2023</a:t>
             </a:fld>
             <a:endParaRPr lang="en-US" dirty="0"/>
           </a:p>
@@ -5198,7 +5198,7 @@
           <a:p>
             <a:fld id="{4AAD347D-5ACD-4C99-B74B-A9C85AD731AF}" type="datetimeFigureOut">
               <a:rPr lang="en-US" smtClean="0"/>
-              <a:t>7/18/2023</a:t>
+              <a:t>8/7/2023</a:t>
             </a:fld>
             <a:endParaRPr lang="en-US" dirty="0"/>
           </a:p>
@@ -5821,7 +5821,7 @@
         </p:spPr>
         <p:txBody>
           <a:bodyPr spcFirstLastPara="1" wrap="square" lIns="91425" tIns="91425" rIns="91425" bIns="91425" anchor="t" anchorCtr="0">
-            <a:normAutofit/>
+            <a:noAutofit/>
           </a:bodyPr>
           <a:lstStyle/>
           <a:p>
@@ -5835,10 +5835,10 @@
               <a:buNone/>
             </a:pPr>
             <a:r>
-              <a:rPr lang="ja"/>
+              <a:rPr lang="ja" sz="3200" b="1" dirty="0"/>
               <a:t>目標</a:t>
             </a:r>
-            <a:endParaRPr/>
+            <a:endParaRPr sz="3200" b="1" dirty="0"/>
           </a:p>
         </p:txBody>
       </p:sp>
@@ -5863,7 +5863,7 @@
           </a:bodyPr>
           <a:lstStyle/>
           <a:p>
-            <a:pPr marL="0" lvl="0" indent="0" algn="l" rtl="0">
+            <a:pPr marL="0" lvl="0" indent="0" rtl="0">
               <a:lnSpc>
                 <a:spcPct val="100000"/>
               </a:lnSpc>
@@ -5881,7 +5881,7 @@
               <a:buNone/>
             </a:pPr>
             <a:r>
-              <a:rPr lang="ja" sz="2800">
+              <a:rPr lang="ja" sz="2800" dirty="0">
                 <a:solidFill>
                   <a:schemeClr val="dk1"/>
                 </a:solidFill>
@@ -5889,7 +5889,7 @@
               <a:t>・バルーンアートで”</a:t>
             </a:r>
             <a:r>
-              <a:rPr lang="ja" sz="2800">
+              <a:rPr lang="ja" sz="2800" dirty="0">
                 <a:solidFill>
                   <a:srgbClr val="CC0000"/>
                 </a:solidFill>
@@ -5897,14 +5897,46 @@
               <a:t>イヌ</a:t>
             </a:r>
             <a:r>
-              <a:rPr lang="ja" sz="2800">
+              <a:rPr lang="ja" sz="2800" dirty="0">
                 <a:solidFill>
                   <a:schemeClr val="dk1"/>
                 </a:solidFill>
               </a:rPr>
               <a:t>”をつくる</a:t>
             </a:r>
-            <a:endParaRPr/>
+            <a:endParaRPr lang="en-US" altLang="ja" sz="2800" dirty="0">
+              <a:solidFill>
+                <a:schemeClr val="dk1"/>
+              </a:solidFill>
+            </a:endParaRPr>
+          </a:p>
+          <a:p>
+            <a:pPr marL="0" lvl="0" indent="0" rtl="0">
+              <a:lnSpc>
+                <a:spcPct val="100000"/>
+              </a:lnSpc>
+              <a:spcBef>
+                <a:spcPts val="0"/>
+              </a:spcBef>
+              <a:spcAft>
+                <a:spcPts val="0"/>
+              </a:spcAft>
+              <a:buClr>
+                <a:schemeClr val="dk1"/>
+              </a:buClr>
+              <a:buSzPts val="1100"/>
+              <a:buFont typeface="Arial"/>
+              <a:buNone/>
+            </a:pPr>
+            <a:r>
+              <a:rPr lang="ja-JP" altLang="en-US" sz="2800" dirty="0">
+                <a:solidFill>
+                  <a:schemeClr val="dk1"/>
+                </a:solidFill>
+              </a:rPr>
+              <a:t>・余裕があれば他の作品にも挑戦する</a:t>
+            </a:r>
+            <a:endParaRPr dirty="0"/>
           </a:p>
         </p:txBody>
       </p:sp>
@@ -5950,7 +5982,7 @@
         </p:spPr>
         <p:txBody>
           <a:bodyPr spcFirstLastPara="1" wrap="square" lIns="91425" tIns="91425" rIns="91425" bIns="91425" anchor="t" anchorCtr="0">
-            <a:normAutofit/>
+            <a:noAutofit/>
           </a:bodyPr>
           <a:lstStyle/>
           <a:p>
@@ -5964,10 +5996,10 @@
               <a:buNone/>
             </a:pPr>
             <a:r>
-              <a:rPr lang="ja"/>
+              <a:rPr lang="ja" sz="3200" b="1" dirty="0"/>
               <a:t>製作プロセス</a:t>
             </a:r>
-            <a:endParaRPr/>
+            <a:endParaRPr sz="3200" b="1" dirty="0"/>
           </a:p>
         </p:txBody>
       </p:sp>
@@ -6006,10 +6038,10 @@
               <a:buNone/>
             </a:pPr>
             <a:r>
-              <a:rPr lang="ja" sz="2100"/>
+              <a:rPr lang="ja" sz="2100" dirty="0"/>
               <a:t>イヌ作業手順考案</a:t>
             </a:r>
-            <a:endParaRPr sz="2100"/>
+            <a:endParaRPr sz="2100" dirty="0"/>
           </a:p>
           <a:p>
             <a:pPr marL="0" lvl="0" indent="0" algn="ctr" rtl="0">
@@ -6022,10 +6054,10 @@
               <a:buNone/>
             </a:pPr>
             <a:r>
-              <a:rPr lang="ja" sz="2100"/>
+              <a:rPr lang="ja" sz="2100" dirty="0"/>
               <a:t>↓</a:t>
             </a:r>
-            <a:endParaRPr sz="2100"/>
+            <a:endParaRPr sz="2100" dirty="0"/>
           </a:p>
           <a:p>
             <a:pPr marL="0" lvl="0" indent="0" algn="ctr" rtl="0">
@@ -6038,10 +6070,10 @@
               <a:buNone/>
             </a:pPr>
             <a:r>
-              <a:rPr lang="ja" sz="2100"/>
+              <a:rPr lang="ja" sz="2100" dirty="0"/>
               <a:t>ツールの作成</a:t>
             </a:r>
-            <a:endParaRPr sz="2100"/>
+            <a:endParaRPr sz="2100" dirty="0"/>
           </a:p>
           <a:p>
             <a:pPr marL="0" lvl="0" indent="0" algn="ctr" rtl="0">
@@ -6054,10 +6086,10 @@
               <a:buNone/>
             </a:pPr>
             <a:r>
-              <a:rPr lang="ja" sz="2100"/>
+              <a:rPr lang="ja" sz="2100" dirty="0"/>
               <a:t>↓</a:t>
             </a:r>
-            <a:endParaRPr sz="2100"/>
+            <a:endParaRPr sz="2100" dirty="0"/>
           </a:p>
           <a:p>
             <a:pPr marL="0" lvl="0" indent="0" algn="ctr" rtl="0">
@@ -6070,10 +6102,10 @@
               <a:buNone/>
             </a:pPr>
             <a:r>
-              <a:rPr lang="ja" sz="2100"/>
+              <a:rPr lang="ja" sz="2100" dirty="0"/>
               <a:t>仮プログラム設計</a:t>
             </a:r>
-            <a:endParaRPr sz="2100"/>
+            <a:endParaRPr sz="2100" dirty="0"/>
           </a:p>
           <a:p>
             <a:pPr marL="0" lvl="0" indent="0" algn="ctr" rtl="0">
@@ -6086,10 +6118,10 @@
               <a:buNone/>
             </a:pPr>
             <a:r>
-              <a:rPr lang="ja" sz="2100"/>
+              <a:rPr lang="ja" sz="2100" dirty="0"/>
               <a:t>↓</a:t>
             </a:r>
-            <a:endParaRPr sz="2100"/>
+            <a:endParaRPr sz="2100" dirty="0"/>
           </a:p>
           <a:p>
             <a:pPr marL="0" lvl="0" indent="0" algn="ctr" rtl="0">
@@ -6102,10 +6134,10 @@
               <a:buNone/>
             </a:pPr>
             <a:r>
-              <a:rPr lang="ja" sz="2100"/>
+              <a:rPr lang="ja" sz="2100" dirty="0"/>
               <a:t>全自動化</a:t>
             </a:r>
-            <a:endParaRPr sz="2100"/>
+            <a:endParaRPr sz="2100" dirty="0"/>
           </a:p>
         </p:txBody>
       </p:sp>
@@ -6151,7 +6183,7 @@
         </p:spPr>
         <p:txBody>
           <a:bodyPr spcFirstLastPara="1" wrap="square" lIns="91425" tIns="91425" rIns="91425" bIns="91425" anchor="t" anchorCtr="0">
-            <a:normAutofit/>
+            <a:noAutofit/>
           </a:bodyPr>
           <a:lstStyle/>
           <a:p>
@@ -6165,10 +6197,10 @@
               <a:buNone/>
             </a:pPr>
             <a:r>
-              <a:rPr lang="ja"/>
+              <a:rPr lang="ja" sz="3200" b="1" dirty="0"/>
               <a:t>イヌの作り方</a:t>
             </a:r>
-            <a:endParaRPr/>
+            <a:endParaRPr sz="3200" b="1" dirty="0"/>
           </a:p>
         </p:txBody>
       </p:sp>
@@ -6266,10 +6298,14 @@
               <a:buNone/>
             </a:pPr>
             <a:r>
-              <a:rPr lang="ja" dirty="0"/>
-              <a:t>イヌの製作プログラム(フローチャート)</a:t>
-            </a:r>
-            <a:endParaRPr dirty="0"/>
+              <a:rPr lang="ja" sz="2800" b="1" dirty="0"/>
+              <a:t>イヌの製作プログラム</a:t>
+            </a:r>
+            <a:r>
+              <a:rPr lang="ja" sz="2800" dirty="0"/>
+              <a:t>(フローチャート)</a:t>
+            </a:r>
+            <a:endParaRPr sz="2800" dirty="0"/>
           </a:p>
         </p:txBody>
       </p:sp>
@@ -7097,7 +7133,7 @@
         </p:spPr>
         <p:txBody>
           <a:bodyPr spcFirstLastPara="1" wrap="square" lIns="91425" tIns="91425" rIns="91425" bIns="91425" anchor="t" anchorCtr="0">
-            <a:normAutofit/>
+            <a:noAutofit/>
           </a:bodyPr>
           <a:lstStyle/>
           <a:p>
@@ -7111,10 +7147,10 @@
               <a:buNone/>
             </a:pPr>
             <a:r>
-              <a:rPr lang="ja"/>
+              <a:rPr lang="ja" sz="3200" dirty="0"/>
               <a:t>これまでの反省</a:t>
             </a:r>
-            <a:endParaRPr/>
+            <a:endParaRPr sz="3200" dirty="0"/>
           </a:p>
         </p:txBody>
       </p:sp>
@@ -7194,7 +7230,7 @@
         </p:spPr>
         <p:txBody>
           <a:bodyPr spcFirstLastPara="1" wrap="square" lIns="91425" tIns="91425" rIns="91425" bIns="91425" anchor="t" anchorCtr="0">
-            <a:normAutofit/>
+            <a:noAutofit/>
           </a:bodyPr>
           <a:lstStyle/>
           <a:p>
@@ -7208,10 +7244,10 @@
               <a:buNone/>
             </a:pPr>
             <a:r>
-              <a:rPr lang="ja"/>
+              <a:rPr lang="ja" sz="3200" b="1" dirty="0"/>
               <a:t>今後の方針</a:t>
             </a:r>
-            <a:endParaRPr/>
+            <a:endParaRPr sz="3200" b="1" dirty="0"/>
           </a:p>
         </p:txBody>
       </p:sp>
@@ -7246,10 +7282,54 @@
               <a:buNone/>
             </a:pPr>
             <a:r>
-              <a:rPr lang="ja"/>
-              <a:t>全自動化</a:t>
-            </a:r>
-            <a:endParaRPr/>
+              <a:rPr lang="ja-JP" altLang="en-US" sz="2400" dirty="0"/>
+              <a:t>・完全に“</a:t>
+            </a:r>
+            <a:r>
+              <a:rPr lang="ja-JP" altLang="en-US" sz="2400" dirty="0">
+                <a:solidFill>
+                  <a:srgbClr val="FF0000"/>
+                </a:solidFill>
+              </a:rPr>
+              <a:t>イヌ</a:t>
+            </a:r>
+            <a:r>
+              <a:rPr lang="ja-JP" altLang="en-US" sz="2400" dirty="0"/>
+              <a:t>”ができるように調整</a:t>
+            </a:r>
+            <a:endParaRPr lang="en-US" altLang="ja-JP" sz="2400" dirty="0"/>
+          </a:p>
+          <a:p>
+            <a:pPr marL="0" lvl="0" indent="0" algn="l" rtl="0">
+              <a:spcBef>
+                <a:spcPts val="0"/>
+              </a:spcBef>
+              <a:spcAft>
+                <a:spcPts val="1200"/>
+              </a:spcAft>
+              <a:buNone/>
+            </a:pPr>
+            <a:r>
+              <a:rPr lang="ja-JP" altLang="en-US" sz="2400" dirty="0"/>
+              <a:t>・完全自動化</a:t>
+            </a:r>
+            <a:endParaRPr lang="en-US" altLang="ja-JP" sz="2400" dirty="0"/>
+          </a:p>
+          <a:p>
+            <a:pPr marL="0" lvl="0" indent="0" algn="l" rtl="0">
+              <a:spcBef>
+                <a:spcPts val="0"/>
+              </a:spcBef>
+              <a:spcAft>
+                <a:spcPts val="1200"/>
+              </a:spcAft>
+              <a:buNone/>
+            </a:pPr>
+            <a:r>
+              <a:rPr lang="ja-JP" altLang="en-US" sz="2400" dirty="0"/>
+              <a:t>・その他の作品に挑戦</a:t>
+            </a:r>
+            <a:endParaRPr sz="2400" dirty="0"/>
           </a:p>
         </p:txBody>
       </p:sp>
@@ -7313,10 +7393,10 @@
               <a:buNone/>
             </a:pPr>
             <a:r>
-              <a:rPr lang="ja" sz="3400"/>
+              <a:rPr lang="ja" sz="3400" dirty="0"/>
               <a:t>ご清聴ありがとうございました</a:t>
             </a:r>
-            <a:endParaRPr sz="3400"/>
+            <a:endParaRPr sz="3400" dirty="0"/>
           </a:p>
         </p:txBody>
       </p:sp>
